--- a/ApresentacaoSuperMarketRV.pptx
+++ b/ApresentacaoSuperMarketRV.pptx
@@ -7,6 +7,13 @@
   <p:sldIdLst>
     <p:sldId id="256" r:id="rId2"/>
     <p:sldId id="257" r:id="rId3"/>
+    <p:sldId id="258" r:id="rId4"/>
+    <p:sldId id="259" r:id="rId5"/>
+    <p:sldId id="260" r:id="rId6"/>
+    <p:sldId id="261" r:id="rId7"/>
+    <p:sldId id="262" r:id="rId8"/>
+    <p:sldId id="263" r:id="rId9"/>
+    <p:sldId id="264" r:id="rId10"/>
   </p:sldIdLst>
   <p:sldSz cx="9144000" cy="6858000" type="screen4x3"/>
   <p:notesSz cx="6858000" cy="9144000"/>
@@ -4600,6 +4607,13 @@
   <p:clrMapOvr>
     <a:masterClrMapping/>
   </p:clrMapOvr>
+  <p:timing>
+    <p:tnLst>
+      <p:par>
+        <p:cTn id="1" dur="indefinite" restart="never" nodeType="tmRoot"/>
+      </p:par>
+    </p:tnLst>
+  </p:timing>
 </p:sld>
 </file>
 
@@ -4635,7 +4649,76 @@
           <a:bodyPr/>
           <a:lstStyle/>
           <a:p>
-            <a:endParaRPr lang="pt-BR"/>
+            <a:pPr algn="just"/>
+            <a:r>
+              <a:rPr lang="pt-BR" dirty="0" smtClean="0"/>
+              <a:t>Desenvolvimento de um Ambiente Virtual 3D que contemple os seguintes aspectos:</a:t>
+            </a:r>
+          </a:p>
+          <a:p>
+            <a:pPr lvl="1" algn="just"/>
+            <a:r>
+              <a:rPr lang="pt-BR" dirty="0" smtClean="0"/>
+              <a:t>Navegação em 1ª Pessoa;</a:t>
+            </a:r>
+          </a:p>
+          <a:p>
+            <a:pPr lvl="1" algn="just"/>
+            <a:r>
+              <a:rPr lang="pt-BR" dirty="0" smtClean="0"/>
+              <a:t>Controle de Colisão</a:t>
+            </a:r>
+            <a:r>
+              <a:rPr lang="pt-BR" dirty="0" smtClean="0"/>
+              <a:t>;</a:t>
+            </a:r>
+          </a:p>
+          <a:p>
+            <a:pPr lvl="1" algn="just"/>
+            <a:r>
+              <a:rPr lang="pt-BR" dirty="0" smtClean="0"/>
+              <a:t>Pegar um Objeto;</a:t>
+            </a:r>
+          </a:p>
+          <a:p>
+            <a:pPr lvl="2" algn="just"/>
+            <a:r>
+              <a:rPr lang="pt-BR" dirty="0" smtClean="0"/>
+              <a:t>Leva-lo a outro ponto do cenário;</a:t>
+            </a:r>
+          </a:p>
+          <a:p>
+            <a:pPr lvl="2" algn="just"/>
+            <a:r>
+              <a:rPr lang="pt-BR" dirty="0" smtClean="0"/>
+              <a:t>Girar</a:t>
+            </a:r>
+            <a:r>
+              <a:rPr lang="pt-BR" dirty="0"/>
+              <a:t> </a:t>
+            </a:r>
+            <a:r>
+              <a:rPr lang="pt-BR" dirty="0" smtClean="0"/>
+              <a:t>e Escalar o Objeto;</a:t>
+            </a:r>
+          </a:p>
+          <a:p>
+            <a:pPr lvl="2" algn="just"/>
+            <a:r>
+              <a:rPr lang="pt-BR" dirty="0" smtClean="0"/>
+              <a:t>Possibilitar larga-lo em outro lugar;</a:t>
+            </a:r>
+          </a:p>
+          <a:p>
+            <a:pPr lvl="2" algn="just"/>
+            <a:r>
+              <a:rPr lang="pt-BR" dirty="0" smtClean="0"/>
+              <a:t>Obter algum atributo dele.</a:t>
+            </a:r>
+          </a:p>
+          <a:p>
+            <a:pPr lvl="2" algn="just"/>
+            <a:endParaRPr lang="pt-BR" dirty="0" smtClean="0"/>
           </a:p>
         </p:txBody>
       </p:sp>
@@ -4654,7 +4737,11 @@
           <a:bodyPr/>
           <a:lstStyle/>
           <a:p>
-            <a:endParaRPr lang="pt-BR"/>
+            <a:r>
+              <a:rPr lang="pt-BR" dirty="0" smtClean="0"/>
+              <a:t>Trabalho I</a:t>
+            </a:r>
+            <a:endParaRPr lang="pt-BR" dirty="0"/>
           </a:p>
         </p:txBody>
       </p:sp>
@@ -4668,6 +4755,1263 @@
   <p:clrMapOvr>
     <a:masterClrMapping/>
   </p:clrMapOvr>
+  <p:timing>
+    <p:tnLst>
+      <p:par>
+        <p:cTn id="1" dur="indefinite" restart="never" nodeType="tmRoot"/>
+      </p:par>
+    </p:tnLst>
+  </p:timing>
+</p:sld>
+</file>
+
+<file path=ppt/slides/slide3.xml><?xml version="1.0" encoding="utf-8"?>
+<p:sld xmlns:a="http://schemas.openxmlformats.org/drawingml/2006/main" xmlns:r="http://schemas.openxmlformats.org/officeDocument/2006/relationships" xmlns:p="http://schemas.openxmlformats.org/presentationml/2006/main">
+  <p:cSld>
+    <p:spTree>
+      <p:nvGrpSpPr>
+        <p:cNvPr id="1" name=""/>
+        <p:cNvGrpSpPr/>
+        <p:nvPr/>
+      </p:nvGrpSpPr>
+      <p:grpSpPr>
+        <a:xfrm>
+          <a:off x="0" y="0"/>
+          <a:ext cx="0" cy="0"/>
+          <a:chOff x="0" y="0"/>
+          <a:chExt cx="0" cy="0"/>
+        </a:xfrm>
+      </p:grpSpPr>
+      <p:sp>
+        <p:nvSpPr>
+          <p:cNvPr id="2" name="Espaço Reservado para Conteúdo 1"/>
+          <p:cNvSpPr>
+            <a:spLocks noGrp="1"/>
+          </p:cNvSpPr>
+          <p:nvPr>
+            <p:ph idx="1"/>
+          </p:nvPr>
+        </p:nvSpPr>
+        <p:spPr/>
+        <p:txBody>
+          <a:bodyPr>
+            <a:normAutofit fontScale="92500" lnSpcReduction="10000"/>
+          </a:bodyPr>
+          <a:lstStyle/>
+          <a:p>
+            <a:pPr algn="just"/>
+            <a:r>
+              <a:rPr lang="it-IT" dirty="0" smtClean="0"/>
+              <a:t>EON </a:t>
+            </a:r>
+            <a:r>
+              <a:rPr lang="it-IT" dirty="0"/>
+              <a:t>Reality - </a:t>
+            </a:r>
+            <a:r>
+              <a:rPr lang="it-IT" dirty="0">
+                <a:hlinkClick r:id="rId2"/>
+              </a:rPr>
+              <a:t>http://www.eonreality.com/software</a:t>
+            </a:r>
+            <a:r>
+              <a:rPr lang="it-IT" dirty="0" smtClean="0">
+                <a:hlinkClick r:id="rId2"/>
+              </a:rPr>
+              <a:t>/</a:t>
+            </a:r>
+            <a:r>
+              <a:rPr lang="it-IT" dirty="0" smtClean="0"/>
+              <a:t> </a:t>
+            </a:r>
+            <a:endParaRPr lang="it-IT" dirty="0"/>
+          </a:p>
+          <a:p>
+            <a:pPr algn="just"/>
+            <a:r>
+              <a:rPr lang="it-IT" dirty="0"/>
+              <a:t>3DVIA Studio Pro - </a:t>
+            </a:r>
+            <a:r>
+              <a:rPr lang="it-IT" dirty="0">
+                <a:hlinkClick r:id="rId3"/>
+              </a:rPr>
+              <a:t>http://www.3ds.com/products-services/3dvia/3dvia-studio/welcome</a:t>
+            </a:r>
+            <a:r>
+              <a:rPr lang="it-IT" dirty="0" smtClean="0">
+                <a:hlinkClick r:id="rId3"/>
+              </a:rPr>
+              <a:t>/</a:t>
+            </a:r>
+            <a:r>
+              <a:rPr lang="it-IT" dirty="0" smtClean="0"/>
+              <a:t> </a:t>
+            </a:r>
+            <a:endParaRPr lang="it-IT" dirty="0"/>
+          </a:p>
+          <a:p>
+            <a:pPr algn="just"/>
+            <a:r>
+              <a:rPr lang="it-IT" dirty="0"/>
+              <a:t>WorldViz - </a:t>
+            </a:r>
+            <a:r>
+              <a:rPr lang="it-IT" dirty="0">
+                <a:hlinkClick r:id="rId4"/>
+              </a:rPr>
+              <a:t>http://www.worldviz.com</a:t>
+            </a:r>
+            <a:r>
+              <a:rPr lang="it-IT" dirty="0" smtClean="0">
+                <a:hlinkClick r:id="rId4"/>
+              </a:rPr>
+              <a:t>/</a:t>
+            </a:r>
+            <a:r>
+              <a:rPr lang="it-IT" dirty="0" smtClean="0"/>
+              <a:t> </a:t>
+            </a:r>
+            <a:endParaRPr lang="it-IT" dirty="0"/>
+          </a:p>
+          <a:p>
+            <a:pPr algn="just"/>
+            <a:r>
+              <a:rPr lang="it-IT" dirty="0"/>
+              <a:t>Lumion3D - </a:t>
+            </a:r>
+            <a:r>
+              <a:rPr lang="it-IT" dirty="0">
+                <a:hlinkClick r:id="rId5"/>
+              </a:rPr>
+              <a:t>http://lumion3d.com</a:t>
+            </a:r>
+            <a:r>
+              <a:rPr lang="it-IT" dirty="0" smtClean="0">
+                <a:hlinkClick r:id="rId5"/>
+              </a:rPr>
+              <a:t>/</a:t>
+            </a:r>
+            <a:r>
+              <a:rPr lang="it-IT" dirty="0" smtClean="0"/>
+              <a:t> </a:t>
+            </a:r>
+            <a:endParaRPr lang="it-IT" dirty="0"/>
+          </a:p>
+          <a:p>
+            <a:pPr algn="just"/>
+            <a:r>
+              <a:rPr lang="it-IT" dirty="0"/>
+              <a:t>X3DOM -  </a:t>
+            </a:r>
+            <a:r>
+              <a:rPr lang="it-IT" dirty="0">
+                <a:hlinkClick r:id="rId6"/>
+              </a:rPr>
+              <a:t>http://www.x3dom.org</a:t>
+            </a:r>
+            <a:r>
+              <a:rPr lang="it-IT" dirty="0" smtClean="0">
+                <a:hlinkClick r:id="rId6"/>
+              </a:rPr>
+              <a:t>/</a:t>
+            </a:r>
+            <a:r>
+              <a:rPr lang="it-IT" dirty="0" smtClean="0"/>
+              <a:t> </a:t>
+            </a:r>
+            <a:endParaRPr lang="it-IT" dirty="0"/>
+          </a:p>
+          <a:p>
+            <a:pPr algn="just"/>
+            <a:r>
+              <a:rPr lang="it-IT" dirty="0"/>
+              <a:t>Cortona3D - </a:t>
+            </a:r>
+            <a:r>
+              <a:rPr lang="it-IT" dirty="0">
+                <a:hlinkClick r:id="rId7"/>
+              </a:rPr>
+              <a:t>http://www.cortona3d.com</a:t>
+            </a:r>
+            <a:r>
+              <a:rPr lang="it-IT" dirty="0" smtClean="0">
+                <a:hlinkClick r:id="rId7"/>
+              </a:rPr>
+              <a:t>/</a:t>
+            </a:r>
+            <a:r>
+              <a:rPr lang="it-IT" dirty="0" smtClean="0"/>
+              <a:t> </a:t>
+            </a:r>
+            <a:endParaRPr lang="it-IT" dirty="0"/>
+          </a:p>
+          <a:p>
+            <a:pPr algn="just"/>
+            <a:r>
+              <a:rPr lang="it-IT" dirty="0"/>
+              <a:t>NeuroVR - </a:t>
+            </a:r>
+            <a:r>
+              <a:rPr lang="it-IT" dirty="0">
+                <a:hlinkClick r:id="rId8"/>
+              </a:rPr>
+              <a:t>http://www.neurovr.org/neurovr2</a:t>
+            </a:r>
+            <a:r>
+              <a:rPr lang="it-IT" dirty="0" smtClean="0">
+                <a:hlinkClick r:id="rId8"/>
+              </a:rPr>
+              <a:t>/</a:t>
+            </a:r>
+            <a:r>
+              <a:rPr lang="it-IT" dirty="0" smtClean="0"/>
+              <a:t> </a:t>
+            </a:r>
+            <a:endParaRPr lang="it-IT" dirty="0"/>
+          </a:p>
+          <a:p>
+            <a:pPr algn="just"/>
+            <a:r>
+              <a:rPr lang="it-IT" dirty="0"/>
+              <a:t>OpenWonderLand - </a:t>
+            </a:r>
+            <a:r>
+              <a:rPr lang="it-IT" dirty="0">
+                <a:hlinkClick r:id="rId9"/>
+              </a:rPr>
+              <a:t>http://</a:t>
+            </a:r>
+            <a:r>
+              <a:rPr lang="it-IT" dirty="0" smtClean="0">
+                <a:hlinkClick r:id="rId9"/>
+              </a:rPr>
+              <a:t>openwonderland.org/</a:t>
+            </a:r>
+            <a:r>
+              <a:rPr lang="it-IT" dirty="0" smtClean="0"/>
+              <a:t> </a:t>
+            </a:r>
+            <a:endParaRPr lang="it-IT" dirty="0"/>
+          </a:p>
+          <a:p>
+            <a:pPr algn="just"/>
+            <a:r>
+              <a:rPr lang="it-IT" b="1" dirty="0"/>
+              <a:t>Unity 3D - </a:t>
+            </a:r>
+            <a:r>
+              <a:rPr lang="it-IT" b="1" dirty="0">
+                <a:hlinkClick r:id="rId10"/>
+              </a:rPr>
+              <a:t>http://unity3d.com</a:t>
+            </a:r>
+            <a:r>
+              <a:rPr lang="it-IT" b="1" dirty="0" smtClean="0">
+                <a:hlinkClick r:id="rId10"/>
+              </a:rPr>
+              <a:t>/</a:t>
+            </a:r>
+            <a:r>
+              <a:rPr lang="it-IT" b="1" dirty="0" smtClean="0"/>
+              <a:t> </a:t>
+            </a:r>
+            <a:endParaRPr lang="pt-BR" b="1" dirty="0"/>
+          </a:p>
+        </p:txBody>
+      </p:sp>
+      <p:sp>
+        <p:nvSpPr>
+          <p:cNvPr id="3" name="Título 2"/>
+          <p:cNvSpPr>
+            <a:spLocks noGrp="1"/>
+          </p:cNvSpPr>
+          <p:nvPr>
+            <p:ph type="title"/>
+          </p:nvPr>
+        </p:nvSpPr>
+        <p:spPr/>
+        <p:txBody>
+          <a:bodyPr/>
+          <a:lstStyle/>
+          <a:p>
+            <a:r>
+              <a:rPr lang="pt-BR" dirty="0" smtClean="0"/>
+              <a:t>Ferramentas Disponíveis</a:t>
+            </a:r>
+            <a:endParaRPr lang="pt-BR" dirty="0"/>
+          </a:p>
+        </p:txBody>
+      </p:sp>
+    </p:spTree>
+    <p:extLst>
+      <p:ext uri="{BB962C8B-B14F-4D97-AF65-F5344CB8AC3E}">
+        <p14:creationId xmlns:p14="http://schemas.microsoft.com/office/powerpoint/2010/main" val="3024330514"/>
+      </p:ext>
+    </p:extLst>
+  </p:cSld>
+  <p:clrMapOvr>
+    <a:masterClrMapping/>
+  </p:clrMapOvr>
+  <p:timing>
+    <p:tnLst>
+      <p:par>
+        <p:cTn id="1" dur="indefinite" restart="never" nodeType="tmRoot"/>
+      </p:par>
+    </p:tnLst>
+  </p:timing>
+</p:sld>
+</file>
+
+<file path=ppt/slides/slide4.xml><?xml version="1.0" encoding="utf-8"?>
+<p:sld xmlns:a="http://schemas.openxmlformats.org/drawingml/2006/main" xmlns:r="http://schemas.openxmlformats.org/officeDocument/2006/relationships" xmlns:p="http://schemas.openxmlformats.org/presentationml/2006/main">
+  <p:cSld>
+    <p:spTree>
+      <p:nvGrpSpPr>
+        <p:cNvPr id="1" name=""/>
+        <p:cNvGrpSpPr/>
+        <p:nvPr/>
+      </p:nvGrpSpPr>
+      <p:grpSpPr>
+        <a:xfrm>
+          <a:off x="0" y="0"/>
+          <a:ext cx="0" cy="0"/>
+          <a:chOff x="0" y="0"/>
+          <a:chExt cx="0" cy="0"/>
+        </a:xfrm>
+      </p:grpSpPr>
+      <p:sp>
+        <p:nvSpPr>
+          <p:cNvPr id="2" name="Espaço Reservado para Conteúdo 1"/>
+          <p:cNvSpPr>
+            <a:spLocks noGrp="1"/>
+          </p:cNvSpPr>
+          <p:nvPr>
+            <p:ph idx="1"/>
+          </p:nvPr>
+        </p:nvSpPr>
+        <p:spPr/>
+        <p:txBody>
+          <a:bodyPr>
+            <a:normAutofit/>
+          </a:bodyPr>
+          <a:lstStyle/>
+          <a:p>
+            <a:r>
+              <a:rPr lang="pt-BR" dirty="0" err="1" smtClean="0"/>
+              <a:t>Unity</a:t>
+            </a:r>
+            <a:r>
+              <a:rPr lang="pt-BR" dirty="0" smtClean="0"/>
+              <a:t> 3D é um motor de jogo 3D proprietário e IDE criado pela </a:t>
+            </a:r>
+            <a:r>
+              <a:rPr lang="pt-BR" dirty="0" err="1" smtClean="0"/>
+              <a:t>Unity</a:t>
+            </a:r>
+            <a:r>
+              <a:rPr lang="pt-BR" dirty="0" smtClean="0"/>
+              <a:t> Technologies.</a:t>
+            </a:r>
+          </a:p>
+          <a:p>
+            <a:r>
+              <a:rPr lang="pt-BR" dirty="0" smtClean="0"/>
+              <a:t>Características:</a:t>
+            </a:r>
+            <a:endParaRPr lang="pt-BR" dirty="0"/>
+          </a:p>
+          <a:p>
+            <a:pPr lvl="1"/>
+            <a:r>
+              <a:rPr lang="pt-BR" dirty="0" smtClean="0"/>
+              <a:t>Suporte </a:t>
+            </a:r>
+            <a:r>
+              <a:rPr lang="pt-BR" dirty="0"/>
+              <a:t>para o uso de </a:t>
+            </a:r>
+            <a:r>
+              <a:rPr lang="pt-BR" dirty="0" err="1"/>
+              <a:t>shaders</a:t>
+            </a:r>
+            <a:r>
+              <a:rPr lang="pt-BR" dirty="0"/>
+              <a:t>;</a:t>
+            </a:r>
+          </a:p>
+          <a:p>
+            <a:pPr lvl="1"/>
+            <a:r>
+              <a:rPr lang="pt-BR" dirty="0" smtClean="0"/>
+              <a:t>Programação </a:t>
+            </a:r>
+            <a:r>
+              <a:rPr lang="pt-BR" dirty="0"/>
+              <a:t>em </a:t>
+            </a:r>
+            <a:r>
+              <a:rPr lang="pt-BR" dirty="0" err="1"/>
+              <a:t>Boo</a:t>
+            </a:r>
+            <a:r>
+              <a:rPr lang="pt-BR" dirty="0"/>
+              <a:t>, C♯ ou </a:t>
+            </a:r>
+            <a:r>
+              <a:rPr lang="pt-BR" dirty="0" err="1"/>
+              <a:t>JavaScript</a:t>
+            </a:r>
+            <a:r>
+              <a:rPr lang="pt-BR" dirty="0"/>
+              <a:t>;</a:t>
+            </a:r>
+          </a:p>
+          <a:p>
+            <a:pPr lvl="1"/>
+            <a:r>
+              <a:rPr lang="pt-BR" dirty="0" smtClean="0"/>
+              <a:t>Suporte </a:t>
+            </a:r>
+            <a:r>
+              <a:rPr lang="pt-BR" dirty="0"/>
+              <a:t>ao </a:t>
+            </a:r>
+            <a:r>
+              <a:rPr lang="pt-BR" dirty="0" err="1"/>
+              <a:t>PhysX</a:t>
+            </a:r>
+            <a:r>
+              <a:rPr lang="pt-BR" dirty="0"/>
+              <a:t>, incluindo detector de </a:t>
+            </a:r>
+            <a:r>
+              <a:rPr lang="pt-BR" dirty="0" smtClean="0"/>
+              <a:t>colisão;</a:t>
+            </a:r>
+            <a:endParaRPr lang="pt-BR" dirty="0"/>
+          </a:p>
+          <a:p>
+            <a:pPr lvl="1"/>
+            <a:r>
+              <a:rPr lang="pt-BR" dirty="0" smtClean="0"/>
+              <a:t>Compatibilidade </a:t>
+            </a:r>
+            <a:r>
+              <a:rPr lang="pt-BR" dirty="0"/>
+              <a:t>com os </a:t>
+            </a:r>
+            <a:r>
+              <a:rPr lang="pt-BR" dirty="0" smtClean="0"/>
+              <a:t>navegadores, via </a:t>
+            </a:r>
+            <a:r>
+              <a:rPr lang="pt-BR" dirty="0"/>
+              <a:t>o </a:t>
+            </a:r>
+            <a:r>
+              <a:rPr lang="pt-BR" dirty="0" err="1"/>
+              <a:t>plugin</a:t>
+            </a:r>
+            <a:r>
+              <a:rPr lang="pt-BR" dirty="0"/>
+              <a:t> </a:t>
+            </a:r>
+            <a:r>
+              <a:rPr lang="pt-BR" dirty="0" err="1"/>
+              <a:t>Unity</a:t>
+            </a:r>
+            <a:r>
+              <a:rPr lang="pt-BR" dirty="0"/>
+              <a:t> Web </a:t>
+            </a:r>
+            <a:r>
+              <a:rPr lang="pt-BR" dirty="0" smtClean="0"/>
+              <a:t>Player;</a:t>
+            </a:r>
+            <a:endParaRPr lang="pt-BR" dirty="0"/>
+          </a:p>
+          <a:p>
+            <a:pPr lvl="1"/>
+            <a:r>
+              <a:rPr lang="pt-BR" dirty="0" smtClean="0"/>
+              <a:t>Compatibilidade </a:t>
+            </a:r>
+            <a:r>
+              <a:rPr lang="pt-BR" dirty="0"/>
+              <a:t>com </a:t>
+            </a:r>
+            <a:r>
+              <a:rPr lang="pt-BR" dirty="0" err="1"/>
+              <a:t>Blender</a:t>
+            </a:r>
+            <a:r>
+              <a:rPr lang="pt-BR" dirty="0"/>
+              <a:t>, 3ds Max, </a:t>
+            </a:r>
+            <a:r>
+              <a:rPr lang="pt-BR" dirty="0" smtClean="0"/>
+              <a:t>e outros.</a:t>
+            </a:r>
+            <a:endParaRPr lang="pt-BR" dirty="0"/>
+          </a:p>
+          <a:p>
+            <a:pPr lvl="1"/>
+            <a:endParaRPr lang="pt-BR" dirty="0"/>
+          </a:p>
+        </p:txBody>
+      </p:sp>
+      <p:pic>
+        <p:nvPicPr>
+          <p:cNvPr id="1026" name="Picture 2" descr="http://www.ozone3d.net/public/jegx/201102/unity3d_logo.jpg"/>
+          <p:cNvPicPr>
+            <a:picLocks noChangeAspect="1" noChangeArrowheads="1"/>
+          </p:cNvPicPr>
+          <p:nvPr/>
+        </p:nvPicPr>
+        <p:blipFill>
+          <a:blip r:embed="rId2">
+            <a:extLst>
+              <a:ext uri="{28A0092B-C50C-407E-A947-70E740481C1C}">
+                <a14:useLocalDpi xmlns:a14="http://schemas.microsoft.com/office/drawing/2010/main" val="0"/>
+              </a:ext>
+            </a:extLst>
+          </a:blip>
+          <a:srcRect/>
+          <a:stretch>
+            <a:fillRect/>
+          </a:stretch>
+        </p:blipFill>
+        <p:spPr bwMode="auto">
+          <a:xfrm>
+            <a:off x="2627784" y="103170"/>
+            <a:ext cx="3888432" cy="1453622"/>
+          </a:xfrm>
+          <a:prstGeom prst="rect">
+            <a:avLst/>
+          </a:prstGeom>
+          <a:noFill/>
+          <a:extLst>
+            <a:ext uri="{909E8E84-426E-40DD-AFC4-6F175D3DCCD1}">
+              <a14:hiddenFill xmlns:a14="http://schemas.microsoft.com/office/drawing/2010/main">
+                <a:solidFill>
+                  <a:srgbClr val="FFFFFF"/>
+                </a:solidFill>
+              </a14:hiddenFill>
+            </a:ext>
+          </a:extLst>
+        </p:spPr>
+      </p:pic>
+    </p:spTree>
+    <p:extLst>
+      <p:ext uri="{BB962C8B-B14F-4D97-AF65-F5344CB8AC3E}">
+        <p14:creationId xmlns:p14="http://schemas.microsoft.com/office/powerpoint/2010/main" val="363270123"/>
+      </p:ext>
+    </p:extLst>
+  </p:cSld>
+  <p:clrMapOvr>
+    <a:masterClrMapping/>
+  </p:clrMapOvr>
+  <p:timing>
+    <p:tnLst>
+      <p:par>
+        <p:cTn id="1" dur="indefinite" restart="never" nodeType="tmRoot"/>
+      </p:par>
+    </p:tnLst>
+  </p:timing>
+</p:sld>
+</file>
+
+<file path=ppt/slides/slide5.xml><?xml version="1.0" encoding="utf-8"?>
+<p:sld xmlns:a="http://schemas.openxmlformats.org/drawingml/2006/main" xmlns:r="http://schemas.openxmlformats.org/officeDocument/2006/relationships" xmlns:p="http://schemas.openxmlformats.org/presentationml/2006/main">
+  <p:cSld>
+    <p:spTree>
+      <p:nvGrpSpPr>
+        <p:cNvPr id="1" name=""/>
+        <p:cNvGrpSpPr/>
+        <p:nvPr/>
+      </p:nvGrpSpPr>
+      <p:grpSpPr>
+        <a:xfrm>
+          <a:off x="0" y="0"/>
+          <a:ext cx="0" cy="0"/>
+          <a:chOff x="0" y="0"/>
+          <a:chExt cx="0" cy="0"/>
+        </a:xfrm>
+      </p:grpSpPr>
+      <p:sp>
+        <p:nvSpPr>
+          <p:cNvPr id="4" name="Título 3"/>
+          <p:cNvSpPr>
+            <a:spLocks noGrp="1"/>
+          </p:cNvSpPr>
+          <p:nvPr>
+            <p:ph type="title"/>
+          </p:nvPr>
+        </p:nvSpPr>
+        <p:spPr/>
+        <p:txBody>
+          <a:bodyPr/>
+          <a:lstStyle/>
+          <a:p>
+            <a:r>
+              <a:rPr lang="pt-BR" sz="4800" dirty="0" err="1" smtClean="0"/>
+              <a:t>SuperMarketRV</a:t>
+            </a:r>
+            <a:r>
+              <a:rPr lang="pt-BR" dirty="0" smtClean="0"/>
+              <a:t/>
+            </a:r>
+            <a:br>
+              <a:rPr lang="pt-BR" dirty="0" smtClean="0"/>
+            </a:br>
+            <a:r>
+              <a:rPr lang="pt-BR" sz="3600" dirty="0" err="1" smtClean="0"/>
+              <a:t>Wireframe</a:t>
+            </a:r>
+            <a:r>
+              <a:rPr lang="pt-BR" sz="3600" dirty="0" smtClean="0"/>
+              <a:t> do Jogo</a:t>
+            </a:r>
+            <a:endParaRPr lang="pt-BR" dirty="0"/>
+          </a:p>
+        </p:txBody>
+      </p:sp>
+      <p:pic>
+        <p:nvPicPr>
+          <p:cNvPr id="2050" name="Picture 2"/>
+          <p:cNvPicPr>
+            <a:picLocks noChangeAspect="1" noChangeArrowheads="1"/>
+          </p:cNvPicPr>
+          <p:nvPr/>
+        </p:nvPicPr>
+        <p:blipFill>
+          <a:blip r:embed="rId2">
+            <a:extLst>
+              <a:ext uri="{28A0092B-C50C-407E-A947-70E740481C1C}">
+                <a14:useLocalDpi xmlns:a14="http://schemas.microsoft.com/office/drawing/2010/main" val="0"/>
+              </a:ext>
+            </a:extLst>
+          </a:blip>
+          <a:srcRect/>
+          <a:stretch>
+            <a:fillRect/>
+          </a:stretch>
+        </p:blipFill>
+        <p:spPr bwMode="auto">
+          <a:xfrm>
+            <a:off x="323528" y="2492896"/>
+            <a:ext cx="8496943" cy="4079353"/>
+          </a:xfrm>
+          <a:prstGeom prst="rect">
+            <a:avLst/>
+          </a:prstGeom>
+          <a:noFill/>
+          <a:ln>
+            <a:noFill/>
+          </a:ln>
+          <a:extLst>
+            <a:ext uri="{909E8E84-426E-40DD-AFC4-6F175D3DCCD1}">
+              <a14:hiddenFill xmlns:a14="http://schemas.microsoft.com/office/drawing/2010/main">
+                <a:solidFill>
+                  <a:schemeClr val="accent1"/>
+                </a:solidFill>
+              </a14:hiddenFill>
+            </a:ext>
+            <a:ext uri="{91240B29-F687-4F45-9708-019B960494DF}">
+              <a14:hiddenLine xmlns:a14="http://schemas.microsoft.com/office/drawing/2010/main" w="9525">
+                <a:solidFill>
+                  <a:schemeClr val="tx1"/>
+                </a:solidFill>
+                <a:miter lim="800000"/>
+                <a:headEnd/>
+                <a:tailEnd/>
+              </a14:hiddenLine>
+            </a:ext>
+          </a:extLst>
+        </p:spPr>
+      </p:pic>
+    </p:spTree>
+    <p:extLst>
+      <p:ext uri="{BB962C8B-B14F-4D97-AF65-F5344CB8AC3E}">
+        <p14:creationId xmlns:p14="http://schemas.microsoft.com/office/powerpoint/2010/main" val="728518837"/>
+      </p:ext>
+    </p:extLst>
+  </p:cSld>
+  <p:clrMapOvr>
+    <a:masterClrMapping/>
+  </p:clrMapOvr>
+  <p:timing>
+    <p:tnLst>
+      <p:par>
+        <p:cTn id="1" dur="indefinite" restart="never" nodeType="tmRoot"/>
+      </p:par>
+    </p:tnLst>
+  </p:timing>
+</p:sld>
+</file>
+
+<file path=ppt/slides/slide6.xml><?xml version="1.0" encoding="utf-8"?>
+<p:sld xmlns:a="http://schemas.openxmlformats.org/drawingml/2006/main" xmlns:r="http://schemas.openxmlformats.org/officeDocument/2006/relationships" xmlns:p="http://schemas.openxmlformats.org/presentationml/2006/main">
+  <p:cSld>
+    <p:spTree>
+      <p:nvGrpSpPr>
+        <p:cNvPr id="1" name=""/>
+        <p:cNvGrpSpPr/>
+        <p:nvPr/>
+      </p:nvGrpSpPr>
+      <p:grpSpPr>
+        <a:xfrm>
+          <a:off x="0" y="0"/>
+          <a:ext cx="0" cy="0"/>
+          <a:chOff x="0" y="0"/>
+          <a:chExt cx="0" cy="0"/>
+        </a:xfrm>
+      </p:grpSpPr>
+      <p:sp>
+        <p:nvSpPr>
+          <p:cNvPr id="5" name="Título 4"/>
+          <p:cNvSpPr>
+            <a:spLocks noGrp="1"/>
+          </p:cNvSpPr>
+          <p:nvPr>
+            <p:ph type="title"/>
+          </p:nvPr>
+        </p:nvSpPr>
+        <p:spPr/>
+        <p:txBody>
+          <a:bodyPr/>
+          <a:lstStyle/>
+          <a:p>
+            <a:r>
+              <a:rPr lang="pt-BR" sz="4000" dirty="0" smtClean="0"/>
+              <a:t>Em Jogo:</a:t>
+            </a:r>
+            <a:r>
+              <a:rPr lang="pt-BR" dirty="0"/>
+              <a:t/>
+            </a:r>
+            <a:br>
+              <a:rPr lang="pt-BR" dirty="0"/>
+            </a:br>
+            <a:r>
+              <a:rPr lang="pt-BR" sz="3600" dirty="0" smtClean="0"/>
+              <a:t>Início</a:t>
+            </a:r>
+            <a:endParaRPr lang="pt-BR" dirty="0"/>
+          </a:p>
+        </p:txBody>
+      </p:sp>
+      <p:pic>
+        <p:nvPicPr>
+          <p:cNvPr id="3075" name="Picture 3"/>
+          <p:cNvPicPr>
+            <a:picLocks noChangeAspect="1" noChangeArrowheads="1"/>
+          </p:cNvPicPr>
+          <p:nvPr/>
+        </p:nvPicPr>
+        <p:blipFill>
+          <a:blip r:embed="rId2">
+            <a:extLst>
+              <a:ext uri="{28A0092B-C50C-407E-A947-70E740481C1C}">
+                <a14:useLocalDpi xmlns:a14="http://schemas.microsoft.com/office/drawing/2010/main" val="0"/>
+              </a:ext>
+            </a:extLst>
+          </a:blip>
+          <a:srcRect/>
+          <a:stretch>
+            <a:fillRect/>
+          </a:stretch>
+        </p:blipFill>
+        <p:spPr bwMode="auto">
+          <a:xfrm>
+            <a:off x="354658" y="2708920"/>
+            <a:ext cx="8537824" cy="3899915"/>
+          </a:xfrm>
+          <a:prstGeom prst="rect">
+            <a:avLst/>
+          </a:prstGeom>
+          <a:noFill/>
+          <a:ln>
+            <a:noFill/>
+          </a:ln>
+          <a:extLst>
+            <a:ext uri="{909E8E84-426E-40DD-AFC4-6F175D3DCCD1}">
+              <a14:hiddenFill xmlns:a14="http://schemas.microsoft.com/office/drawing/2010/main">
+                <a:solidFill>
+                  <a:schemeClr val="accent1"/>
+                </a:solidFill>
+              </a14:hiddenFill>
+            </a:ext>
+            <a:ext uri="{91240B29-F687-4F45-9708-019B960494DF}">
+              <a14:hiddenLine xmlns:a14="http://schemas.microsoft.com/office/drawing/2010/main" w="9525">
+                <a:solidFill>
+                  <a:schemeClr val="tx1"/>
+                </a:solidFill>
+                <a:miter lim="800000"/>
+                <a:headEnd/>
+                <a:tailEnd/>
+              </a14:hiddenLine>
+            </a:ext>
+          </a:extLst>
+        </p:spPr>
+      </p:pic>
+    </p:spTree>
+    <p:extLst>
+      <p:ext uri="{BB962C8B-B14F-4D97-AF65-F5344CB8AC3E}">
+        <p14:creationId xmlns:p14="http://schemas.microsoft.com/office/powerpoint/2010/main" val="810538491"/>
+      </p:ext>
+    </p:extLst>
+  </p:cSld>
+  <p:clrMapOvr>
+    <a:masterClrMapping/>
+  </p:clrMapOvr>
+  <p:timing>
+    <p:tnLst>
+      <p:par>
+        <p:cTn id="1" dur="indefinite" restart="never" nodeType="tmRoot"/>
+      </p:par>
+    </p:tnLst>
+  </p:timing>
+</p:sld>
+</file>
+
+<file path=ppt/slides/slide7.xml><?xml version="1.0" encoding="utf-8"?>
+<p:sld xmlns:a="http://schemas.openxmlformats.org/drawingml/2006/main" xmlns:r="http://schemas.openxmlformats.org/officeDocument/2006/relationships" xmlns:p="http://schemas.openxmlformats.org/presentationml/2006/main">
+  <p:cSld>
+    <p:spTree>
+      <p:nvGrpSpPr>
+        <p:cNvPr id="1" name=""/>
+        <p:cNvGrpSpPr/>
+        <p:nvPr/>
+      </p:nvGrpSpPr>
+      <p:grpSpPr>
+        <a:xfrm>
+          <a:off x="0" y="0"/>
+          <a:ext cx="0" cy="0"/>
+          <a:chOff x="0" y="0"/>
+          <a:chExt cx="0" cy="0"/>
+        </a:xfrm>
+      </p:grpSpPr>
+      <p:sp>
+        <p:nvSpPr>
+          <p:cNvPr id="3" name="Título 2"/>
+          <p:cNvSpPr>
+            <a:spLocks noGrp="1"/>
+          </p:cNvSpPr>
+          <p:nvPr>
+            <p:ph type="title"/>
+          </p:nvPr>
+        </p:nvSpPr>
+        <p:spPr/>
+        <p:txBody>
+          <a:bodyPr/>
+          <a:lstStyle/>
+          <a:p>
+            <a:r>
+              <a:rPr lang="pt-BR" sz="3600" dirty="0" smtClean="0"/>
+              <a:t>Alterando Tamanho e Rotação. Recuperando Informações do Objeto</a:t>
+            </a:r>
+            <a:endParaRPr lang="pt-BR" sz="3600" dirty="0"/>
+          </a:p>
+        </p:txBody>
+      </p:sp>
+      <p:pic>
+        <p:nvPicPr>
+          <p:cNvPr id="4098" name="Picture 2"/>
+          <p:cNvPicPr>
+            <a:picLocks noChangeAspect="1" noChangeArrowheads="1"/>
+          </p:cNvPicPr>
+          <p:nvPr/>
+        </p:nvPicPr>
+        <p:blipFill>
+          <a:blip r:embed="rId2">
+            <a:extLst>
+              <a:ext uri="{28A0092B-C50C-407E-A947-70E740481C1C}">
+                <a14:useLocalDpi xmlns:a14="http://schemas.microsoft.com/office/drawing/2010/main" val="0"/>
+              </a:ext>
+            </a:extLst>
+          </a:blip>
+          <a:srcRect/>
+          <a:stretch>
+            <a:fillRect/>
+          </a:stretch>
+        </p:blipFill>
+        <p:spPr bwMode="auto">
+          <a:xfrm>
+            <a:off x="251520" y="2639172"/>
+            <a:ext cx="8611454" cy="3958180"/>
+          </a:xfrm>
+          <a:prstGeom prst="rect">
+            <a:avLst/>
+          </a:prstGeom>
+          <a:noFill/>
+          <a:ln>
+            <a:noFill/>
+          </a:ln>
+          <a:extLst>
+            <a:ext uri="{909E8E84-426E-40DD-AFC4-6F175D3DCCD1}">
+              <a14:hiddenFill xmlns:a14="http://schemas.microsoft.com/office/drawing/2010/main">
+                <a:solidFill>
+                  <a:schemeClr val="accent1"/>
+                </a:solidFill>
+              </a14:hiddenFill>
+            </a:ext>
+            <a:ext uri="{91240B29-F687-4F45-9708-019B960494DF}">
+              <a14:hiddenLine xmlns:a14="http://schemas.microsoft.com/office/drawing/2010/main" w="9525">
+                <a:solidFill>
+                  <a:schemeClr val="tx1"/>
+                </a:solidFill>
+                <a:miter lim="800000"/>
+                <a:headEnd/>
+                <a:tailEnd/>
+              </a14:hiddenLine>
+            </a:ext>
+          </a:extLst>
+        </p:spPr>
+      </p:pic>
+    </p:spTree>
+    <p:extLst>
+      <p:ext uri="{BB962C8B-B14F-4D97-AF65-F5344CB8AC3E}">
+        <p14:creationId xmlns:p14="http://schemas.microsoft.com/office/powerpoint/2010/main" val="1441935573"/>
+      </p:ext>
+    </p:extLst>
+  </p:cSld>
+  <p:clrMapOvr>
+    <a:masterClrMapping/>
+  </p:clrMapOvr>
+  <p:timing>
+    <p:tnLst>
+      <p:par>
+        <p:cTn id="1" dur="indefinite" restart="never" nodeType="tmRoot"/>
+      </p:par>
+    </p:tnLst>
+  </p:timing>
+</p:sld>
+</file>
+
+<file path=ppt/slides/slide8.xml><?xml version="1.0" encoding="utf-8"?>
+<p:sld xmlns:a="http://schemas.openxmlformats.org/drawingml/2006/main" xmlns:r="http://schemas.openxmlformats.org/officeDocument/2006/relationships" xmlns:p="http://schemas.openxmlformats.org/presentationml/2006/main">
+  <p:cSld>
+    <p:spTree>
+      <p:nvGrpSpPr>
+        <p:cNvPr id="1" name=""/>
+        <p:cNvGrpSpPr/>
+        <p:nvPr/>
+      </p:nvGrpSpPr>
+      <p:grpSpPr>
+        <a:xfrm>
+          <a:off x="0" y="0"/>
+          <a:ext cx="0" cy="0"/>
+          <a:chOff x="0" y="0"/>
+          <a:chExt cx="0" cy="0"/>
+        </a:xfrm>
+      </p:grpSpPr>
+      <p:sp>
+        <p:nvSpPr>
+          <p:cNvPr id="3" name="Título 2"/>
+          <p:cNvSpPr>
+            <a:spLocks noGrp="1"/>
+          </p:cNvSpPr>
+          <p:nvPr>
+            <p:ph type="title"/>
+          </p:nvPr>
+        </p:nvSpPr>
+        <p:spPr/>
+        <p:txBody>
+          <a:bodyPr/>
+          <a:lstStyle/>
+          <a:p>
+            <a:r>
+              <a:rPr lang="pt-BR" sz="3600" dirty="0" smtClean="0"/>
+              <a:t>Depositando Objeto em outro Local</a:t>
+            </a:r>
+            <a:endParaRPr lang="pt-BR" sz="3600" dirty="0"/>
+          </a:p>
+        </p:txBody>
+      </p:sp>
+      <p:pic>
+        <p:nvPicPr>
+          <p:cNvPr id="5122" name="Picture 2"/>
+          <p:cNvPicPr>
+            <a:picLocks noChangeAspect="1" noChangeArrowheads="1"/>
+          </p:cNvPicPr>
+          <p:nvPr/>
+        </p:nvPicPr>
+        <p:blipFill>
+          <a:blip r:embed="rId2">
+            <a:extLst>
+              <a:ext uri="{28A0092B-C50C-407E-A947-70E740481C1C}">
+                <a14:useLocalDpi xmlns:a14="http://schemas.microsoft.com/office/drawing/2010/main" val="0"/>
+              </a:ext>
+            </a:extLst>
+          </a:blip>
+          <a:srcRect/>
+          <a:stretch>
+            <a:fillRect/>
+          </a:stretch>
+        </p:blipFill>
+        <p:spPr bwMode="auto">
+          <a:xfrm>
+            <a:off x="251520" y="2564904"/>
+            <a:ext cx="8686308" cy="4005064"/>
+          </a:xfrm>
+          <a:prstGeom prst="rect">
+            <a:avLst/>
+          </a:prstGeom>
+          <a:noFill/>
+          <a:ln>
+            <a:noFill/>
+          </a:ln>
+          <a:extLst>
+            <a:ext uri="{909E8E84-426E-40DD-AFC4-6F175D3DCCD1}">
+              <a14:hiddenFill xmlns:a14="http://schemas.microsoft.com/office/drawing/2010/main">
+                <a:solidFill>
+                  <a:schemeClr val="accent1"/>
+                </a:solidFill>
+              </a14:hiddenFill>
+            </a:ext>
+            <a:ext uri="{91240B29-F687-4F45-9708-019B960494DF}">
+              <a14:hiddenLine xmlns:a14="http://schemas.microsoft.com/office/drawing/2010/main" w="9525">
+                <a:solidFill>
+                  <a:schemeClr val="tx1"/>
+                </a:solidFill>
+                <a:miter lim="800000"/>
+                <a:headEnd/>
+                <a:tailEnd/>
+              </a14:hiddenLine>
+            </a:ext>
+          </a:extLst>
+        </p:spPr>
+      </p:pic>
+    </p:spTree>
+    <p:extLst>
+      <p:ext uri="{BB962C8B-B14F-4D97-AF65-F5344CB8AC3E}">
+        <p14:creationId xmlns:p14="http://schemas.microsoft.com/office/powerpoint/2010/main" val="3902517143"/>
+      </p:ext>
+    </p:extLst>
+  </p:cSld>
+  <p:clrMapOvr>
+    <a:masterClrMapping/>
+  </p:clrMapOvr>
+  <p:timing>
+    <p:tnLst>
+      <p:par>
+        <p:cTn id="1" dur="indefinite" restart="never" nodeType="tmRoot"/>
+      </p:par>
+    </p:tnLst>
+  </p:timing>
+</p:sld>
+</file>
+
+<file path=ppt/slides/slide9.xml><?xml version="1.0" encoding="utf-8"?>
+<p:sld xmlns:a="http://schemas.openxmlformats.org/drawingml/2006/main" xmlns:r="http://schemas.openxmlformats.org/officeDocument/2006/relationships" xmlns:p="http://schemas.openxmlformats.org/presentationml/2006/main">
+  <p:cSld>
+    <p:spTree>
+      <p:nvGrpSpPr>
+        <p:cNvPr id="1" name=""/>
+        <p:cNvGrpSpPr/>
+        <p:nvPr/>
+      </p:nvGrpSpPr>
+      <p:grpSpPr>
+        <a:xfrm>
+          <a:off x="0" y="0"/>
+          <a:ext cx="0" cy="0"/>
+          <a:chOff x="0" y="0"/>
+          <a:chExt cx="0" cy="0"/>
+        </a:xfrm>
+      </p:grpSpPr>
+      <p:sp>
+        <p:nvSpPr>
+          <p:cNvPr id="2" name="Título 1"/>
+          <p:cNvSpPr>
+            <a:spLocks noGrp="1"/>
+          </p:cNvSpPr>
+          <p:nvPr>
+            <p:ph type="ctrTitle"/>
+          </p:nvPr>
+        </p:nvSpPr>
+        <p:spPr/>
+        <p:txBody>
+          <a:bodyPr/>
+          <a:lstStyle/>
+          <a:p>
+            <a:r>
+              <a:rPr lang="pt-BR" dirty="0" smtClean="0"/>
+              <a:t>Realidade Virtual</a:t>
+            </a:r>
+            <a:br>
+              <a:rPr lang="pt-BR" dirty="0" smtClean="0"/>
+            </a:br>
+            <a:r>
+              <a:rPr lang="pt-BR" sz="4000" dirty="0" err="1" smtClean="0"/>
+              <a:t>SuperMarketRV</a:t>
+            </a:r>
+            <a:endParaRPr lang="pt-BR" dirty="0"/>
+          </a:p>
+        </p:txBody>
+      </p:sp>
+      <p:sp>
+        <p:nvSpPr>
+          <p:cNvPr id="3" name="Subtítulo 2"/>
+          <p:cNvSpPr>
+            <a:spLocks noGrp="1"/>
+          </p:cNvSpPr>
+          <p:nvPr>
+            <p:ph type="subTitle" idx="1"/>
+          </p:nvPr>
+        </p:nvSpPr>
+        <p:spPr>
+          <a:xfrm>
+            <a:off x="1371600" y="3767862"/>
+            <a:ext cx="6400800" cy="2253426"/>
+          </a:xfrm>
+        </p:spPr>
+        <p:txBody>
+          <a:bodyPr>
+            <a:normAutofit fontScale="92500" lnSpcReduction="10000"/>
+          </a:bodyPr>
+          <a:lstStyle/>
+          <a:p>
+            <a:r>
+              <a:rPr lang="pt-BR" dirty="0" err="1" smtClean="0"/>
+              <a:t>Profº</a:t>
+            </a:r>
+            <a:r>
+              <a:rPr lang="pt-BR" dirty="0" smtClean="0"/>
+              <a:t> Marcio Pinho</a:t>
+            </a:r>
+          </a:p>
+          <a:p>
+            <a:endParaRPr lang="pt-BR" dirty="0" smtClean="0"/>
+          </a:p>
+          <a:p>
+            <a:endParaRPr lang="pt-BR" dirty="0"/>
+          </a:p>
+          <a:p>
+            <a:r>
+              <a:rPr lang="pt-BR" dirty="0" smtClean="0"/>
+              <a:t>Augusto Weiand</a:t>
+            </a:r>
+          </a:p>
+          <a:p>
+            <a:r>
+              <a:rPr lang="pt-BR" dirty="0" smtClean="0"/>
+              <a:t>guto.weiand@gmail.com</a:t>
+            </a:r>
+          </a:p>
+          <a:p>
+            <a:r>
+              <a:rPr lang="pt-BR" dirty="0">
+                <a:solidFill>
+                  <a:srgbClr val="0070C0"/>
+                </a:solidFill>
+                <a:hlinkClick r:id="rId2"/>
+              </a:rPr>
+              <a:t>https://</a:t>
+            </a:r>
+            <a:r>
+              <a:rPr lang="pt-BR" dirty="0" smtClean="0">
+                <a:solidFill>
+                  <a:srgbClr val="0070C0"/>
+                </a:solidFill>
+                <a:hlinkClick r:id="rId2"/>
+              </a:rPr>
+              <a:t>github.com/aweiand</a:t>
+            </a:r>
+            <a:r>
+              <a:rPr lang="pt-BR" dirty="0" smtClean="0">
+                <a:solidFill>
+                  <a:srgbClr val="0070C0"/>
+                </a:solidFill>
+              </a:rPr>
+              <a:t> </a:t>
+            </a:r>
+            <a:endParaRPr lang="pt-BR" dirty="0">
+              <a:solidFill>
+                <a:srgbClr val="0070C0"/>
+              </a:solidFill>
+            </a:endParaRPr>
+          </a:p>
+        </p:txBody>
+      </p:sp>
+      <p:pic>
+        <p:nvPicPr>
+          <p:cNvPr id="4" name="Imagem 3"/>
+          <p:cNvPicPr>
+            <a:picLocks noChangeAspect="1"/>
+          </p:cNvPicPr>
+          <p:nvPr/>
+        </p:nvPicPr>
+        <p:blipFill>
+          <a:blip r:embed="rId3" cstate="print">
+            <a:extLst>
+              <a:ext uri="{28A0092B-C50C-407E-A947-70E740481C1C}">
+                <a14:useLocalDpi xmlns:a14="http://schemas.microsoft.com/office/drawing/2010/main" val="0"/>
+              </a:ext>
+            </a:extLst>
+          </a:blip>
+          <a:stretch>
+            <a:fillRect/>
+          </a:stretch>
+        </p:blipFill>
+        <p:spPr>
+          <a:xfrm>
+            <a:off x="323528" y="385905"/>
+            <a:ext cx="702433" cy="810847"/>
+          </a:xfrm>
+          <a:prstGeom prst="rect">
+            <a:avLst/>
+          </a:prstGeom>
+        </p:spPr>
+      </p:pic>
+      <p:pic>
+        <p:nvPicPr>
+          <p:cNvPr id="5" name="Imagem 4"/>
+          <p:cNvPicPr>
+            <a:picLocks noChangeAspect="1"/>
+          </p:cNvPicPr>
+          <p:nvPr/>
+        </p:nvPicPr>
+        <p:blipFill>
+          <a:blip r:embed="rId4">
+            <a:extLst>
+              <a:ext uri="{28A0092B-C50C-407E-A947-70E740481C1C}">
+                <a14:useLocalDpi xmlns:a14="http://schemas.microsoft.com/office/drawing/2010/main" val="0"/>
+              </a:ext>
+            </a:extLst>
+          </a:blip>
+          <a:stretch>
+            <a:fillRect/>
+          </a:stretch>
+        </p:blipFill>
+        <p:spPr>
+          <a:xfrm>
+            <a:off x="8022461" y="188640"/>
+            <a:ext cx="893657" cy="1296144"/>
+          </a:xfrm>
+          <a:prstGeom prst="rect">
+            <a:avLst/>
+          </a:prstGeom>
+        </p:spPr>
+      </p:pic>
+    </p:spTree>
+    <p:extLst>
+      <p:ext uri="{BB962C8B-B14F-4D97-AF65-F5344CB8AC3E}">
+        <p14:creationId xmlns:p14="http://schemas.microsoft.com/office/powerpoint/2010/main" val="256815751"/>
+      </p:ext>
+    </p:extLst>
+  </p:cSld>
+  <p:clrMapOvr>
+    <a:masterClrMapping/>
+  </p:clrMapOvr>
+  <p:timing>
+    <p:tnLst>
+      <p:par>
+        <p:cTn id="1" dur="indefinite" restart="never" nodeType="tmRoot"/>
+      </p:par>
+    </p:tnLst>
+  </p:timing>
 </p:sld>
 </file>
 
